--- a/slides/COREJ1/COREJ1 - Chapter1.pptx
+++ b/slides/COREJ1/COREJ1 - Chapter1.pptx
@@ -357,7 +357,7 @@
           <a:p>
             <a:fld id="{9DEB306A-FE1C-4996-AB92-3C76DD2CBDB3}" type="datetimeFigureOut">
               <a:rPr lang="es-SV" smtClean="0"/>
-              <a:t>8/10/17</a:t>
+              <a:t>10/10/17</a:t>
             </a:fld>
             <a:endParaRPr lang="es-SV"/>
           </a:p>
@@ -522,7 +522,7 @@
           <a:p>
             <a:fld id="{01993A81-F12D-42C5-A35C-8AABE483B59D}" type="datetimeFigureOut">
               <a:rPr lang="es-MX" smtClean="0"/>
-              <a:t>08/10/17</a:t>
+              <a:t>10/10/17</a:t>
             </a:fld>
             <a:endParaRPr lang="es-MX"/>
           </a:p>
@@ -12353,21 +12353,21 @@
       </p:grpSp>
       <p:grpSp>
         <p:nvGrpSpPr>
-          <p:cNvPr id="90" name="1 Grupo"/>
+          <p:cNvPr id="61" name="1 Grupo"/>
           <p:cNvGrpSpPr/>
           <p:nvPr/>
         </p:nvGrpSpPr>
         <p:grpSpPr>
           <a:xfrm>
-            <a:off x="19258579" y="12484419"/>
-            <a:ext cx="3390136" cy="6877770"/>
+            <a:off x="20817723" y="8703998"/>
+            <a:ext cx="2355642" cy="4644941"/>
             <a:chOff x="2201144" y="1323179"/>
             <a:chExt cx="3390136" cy="6877770"/>
           </a:xfrm>
         </p:grpSpPr>
         <p:grpSp>
           <p:nvGrpSpPr>
-            <p:cNvPr id="91" name="Grupo 63"/>
+            <p:cNvPr id="62" name="Grupo 63"/>
             <p:cNvGrpSpPr>
               <a:grpSpLocks noChangeAspect="1"/>
             </p:cNvGrpSpPr>
@@ -12383,7 +12383,7 @@
           </p:grpSpPr>
           <p:sp>
             <p:nvSpPr>
-              <p:cNvPr id="119" name="81 Forma libre"/>
+              <p:cNvPr id="147" name="81 Forma libre"/>
               <p:cNvSpPr>
                 <a:spLocks noChangeAspect="1"/>
               </p:cNvSpPr>
@@ -12579,7 +12579,7 @@
           </p:sp>
           <p:sp>
             <p:nvSpPr>
-              <p:cNvPr id="120" name="81 Forma libre"/>
+              <p:cNvPr id="148" name="81 Forma libre"/>
               <p:cNvSpPr>
                 <a:spLocks noChangeAspect="1"/>
               </p:cNvSpPr>
@@ -12696,7 +12696,7 @@
           </p:sp>
           <p:grpSp>
             <p:nvGrpSpPr>
-              <p:cNvPr id="121" name="Grupo 6205"/>
+              <p:cNvPr id="149" name="Grupo 6205"/>
               <p:cNvGrpSpPr>
                 <a:grpSpLocks noChangeAspect="1"/>
               </p:cNvGrpSpPr>
@@ -12712,7 +12712,7 @@
             </p:grpSpPr>
             <p:sp>
               <p:nvSpPr>
-                <p:cNvPr id="126" name="Freeform 73"/>
+                <p:cNvPr id="154" name="Freeform 73"/>
                 <p:cNvSpPr>
                   <a:spLocks/>
                 </p:cNvSpPr>
@@ -13062,7 +13062,7 @@
             </p:sp>
             <p:sp>
               <p:nvSpPr>
-                <p:cNvPr id="127" name="Freeform 74"/>
+                <p:cNvPr id="155" name="Freeform 74"/>
                 <p:cNvSpPr>
                   <a:spLocks/>
                 </p:cNvSpPr>
@@ -13349,7 +13349,7 @@
           </p:grpSp>
           <p:sp>
             <p:nvSpPr>
-              <p:cNvPr id="122" name="Forma libre 130"/>
+              <p:cNvPr id="150" name="Forma libre 130"/>
               <p:cNvSpPr/>
               <p:nvPr/>
             </p:nvSpPr>
@@ -13439,7 +13439,7 @@
           </p:sp>
           <p:sp>
             <p:nvSpPr>
-              <p:cNvPr id="123" name="Forma libre 129"/>
+              <p:cNvPr id="151" name="Forma libre 129"/>
               <p:cNvSpPr/>
               <p:nvPr/>
             </p:nvSpPr>
@@ -13529,7 +13529,7 @@
           </p:sp>
           <p:sp>
             <p:nvSpPr>
-              <p:cNvPr id="124" name="Forma libre 131"/>
+              <p:cNvPr id="152" name="Forma libre 131"/>
               <p:cNvSpPr/>
               <p:nvPr/>
             </p:nvSpPr>
@@ -13619,7 +13619,7 @@
           </p:sp>
           <p:sp>
             <p:nvSpPr>
-              <p:cNvPr id="125" name="Forma libre 115"/>
+              <p:cNvPr id="153" name="Forma libre 115"/>
               <p:cNvSpPr>
                 <a:spLocks noChangeAspect="1"/>
               </p:cNvSpPr>
@@ -13863,7 +13863,7 @@
         </p:grpSp>
         <p:grpSp>
           <p:nvGrpSpPr>
-            <p:cNvPr id="92" name="Grupo 6200"/>
+            <p:cNvPr id="63" name="Grupo 6200"/>
             <p:cNvGrpSpPr/>
             <p:nvPr/>
           </p:nvGrpSpPr>
@@ -13877,7 +13877,7 @@
           </p:grpSpPr>
           <p:sp>
             <p:nvSpPr>
-              <p:cNvPr id="111" name="47 Rectángulo redondeado"/>
+              <p:cNvPr id="139" name="47 Rectángulo redondeado"/>
               <p:cNvSpPr/>
               <p:nvPr/>
             </p:nvSpPr>
@@ -13914,7 +13914,7 @@
           </p:sp>
           <p:sp>
             <p:nvSpPr>
-              <p:cNvPr id="112" name="5 Triángulo isósceles"/>
+              <p:cNvPr id="140" name="5 Triángulo isósceles"/>
               <p:cNvSpPr/>
               <p:nvPr/>
             </p:nvSpPr>
@@ -14008,7 +14008,7 @@
           </p:sp>
           <p:sp>
             <p:nvSpPr>
-              <p:cNvPr id="113" name="6 Triángulo isósceles"/>
+              <p:cNvPr id="141" name="6 Triángulo isósceles"/>
               <p:cNvSpPr/>
               <p:nvPr/>
             </p:nvSpPr>
@@ -14168,7 +14168,7 @@
           </p:sp>
           <p:sp>
             <p:nvSpPr>
-              <p:cNvPr id="114" name="5 Triángulo isósceles"/>
+              <p:cNvPr id="142" name="5 Triángulo isósceles"/>
               <p:cNvSpPr/>
               <p:nvPr/>
             </p:nvSpPr>
@@ -14228,7 +14228,7 @@
           </p:sp>
           <p:sp>
             <p:nvSpPr>
-              <p:cNvPr id="115" name="73 Rectángulo redondeado"/>
+              <p:cNvPr id="143" name="73 Rectángulo redondeado"/>
               <p:cNvSpPr/>
               <p:nvPr/>
             </p:nvSpPr>
@@ -14267,7 +14267,7 @@
           </p:sp>
           <p:sp>
             <p:nvSpPr>
-              <p:cNvPr id="116" name="1 Rectángulo redondeado"/>
+              <p:cNvPr id="144" name="1 Rectángulo redondeado"/>
               <p:cNvSpPr/>
               <p:nvPr/>
             </p:nvSpPr>
@@ -14338,7 +14338,7 @@
           </p:sp>
           <p:sp>
             <p:nvSpPr>
-              <p:cNvPr id="117" name="44 Rectángulo redondeado"/>
+              <p:cNvPr id="145" name="44 Rectángulo redondeado"/>
               <p:cNvSpPr/>
               <p:nvPr/>
             </p:nvSpPr>
@@ -14394,7 +14394,7 @@
           </p:sp>
           <p:sp>
             <p:nvSpPr>
-              <p:cNvPr id="118" name="Forma libre 101"/>
+              <p:cNvPr id="146" name="Forma libre 101"/>
               <p:cNvSpPr/>
               <p:nvPr/>
             </p:nvSpPr>
@@ -14490,7 +14490,7 @@
         </p:grpSp>
         <p:grpSp>
           <p:nvGrpSpPr>
-            <p:cNvPr id="93" name="Grupo 135"/>
+            <p:cNvPr id="64" name="Grupo 135"/>
             <p:cNvGrpSpPr/>
             <p:nvPr/>
           </p:nvGrpSpPr>
@@ -14504,7 +14504,7 @@
           </p:grpSpPr>
           <p:sp>
             <p:nvSpPr>
-              <p:cNvPr id="103" name="47 Rectángulo redondeado"/>
+              <p:cNvPr id="131" name="47 Rectángulo redondeado"/>
               <p:cNvSpPr/>
               <p:nvPr/>
             </p:nvSpPr>
@@ -14541,7 +14541,7 @@
           </p:sp>
           <p:sp>
             <p:nvSpPr>
-              <p:cNvPr id="104" name="5 Triángulo isósceles"/>
+              <p:cNvPr id="132" name="5 Triángulo isósceles"/>
               <p:cNvSpPr/>
               <p:nvPr/>
             </p:nvSpPr>
@@ -14635,7 +14635,7 @@
           </p:sp>
           <p:sp>
             <p:nvSpPr>
-              <p:cNvPr id="105" name="6 Triángulo isósceles"/>
+              <p:cNvPr id="133" name="6 Triángulo isósceles"/>
               <p:cNvSpPr/>
               <p:nvPr/>
             </p:nvSpPr>
@@ -14795,7 +14795,7 @@
           </p:sp>
           <p:sp>
             <p:nvSpPr>
-              <p:cNvPr id="106" name="5 Triángulo isósceles"/>
+              <p:cNvPr id="134" name="5 Triángulo isósceles"/>
               <p:cNvSpPr/>
               <p:nvPr/>
             </p:nvSpPr>
@@ -14855,7 +14855,7 @@
           </p:sp>
           <p:sp>
             <p:nvSpPr>
-              <p:cNvPr id="107" name="73 Rectángulo redondeado"/>
+              <p:cNvPr id="135" name="73 Rectángulo redondeado"/>
               <p:cNvSpPr/>
               <p:nvPr/>
             </p:nvSpPr>
@@ -14894,7 +14894,7 @@
           </p:sp>
           <p:sp>
             <p:nvSpPr>
-              <p:cNvPr id="108" name="1 Rectángulo redondeado"/>
+              <p:cNvPr id="136" name="1 Rectángulo redondeado"/>
               <p:cNvSpPr/>
               <p:nvPr/>
             </p:nvSpPr>
@@ -14965,7 +14965,7 @@
           </p:sp>
           <p:sp>
             <p:nvSpPr>
-              <p:cNvPr id="109" name="44 Rectángulo redondeado"/>
+              <p:cNvPr id="137" name="44 Rectángulo redondeado"/>
               <p:cNvSpPr/>
               <p:nvPr/>
             </p:nvSpPr>
@@ -15021,7 +15021,7 @@
           </p:sp>
           <p:sp>
             <p:nvSpPr>
-              <p:cNvPr id="110" name="Forma libre 143"/>
+              <p:cNvPr id="138" name="Forma libre 143"/>
               <p:cNvSpPr/>
               <p:nvPr/>
             </p:nvSpPr>
@@ -15117,7 +15117,7 @@
         </p:grpSp>
         <p:grpSp>
           <p:nvGrpSpPr>
-            <p:cNvPr id="94" name="Grupo 151"/>
+            <p:cNvPr id="65" name="Grupo 151"/>
             <p:cNvGrpSpPr/>
             <p:nvPr/>
           </p:nvGrpSpPr>
@@ -15131,7 +15131,7 @@
           </p:grpSpPr>
           <p:sp>
             <p:nvSpPr>
-              <p:cNvPr id="95" name="47 Rectángulo redondeado"/>
+              <p:cNvPr id="66" name="47 Rectángulo redondeado"/>
               <p:cNvSpPr/>
               <p:nvPr/>
             </p:nvSpPr>
@@ -15168,7 +15168,7 @@
           </p:sp>
           <p:sp>
             <p:nvSpPr>
-              <p:cNvPr id="96" name="5 Triángulo isósceles"/>
+              <p:cNvPr id="67" name="5 Triángulo isósceles"/>
               <p:cNvSpPr/>
               <p:nvPr/>
             </p:nvSpPr>
@@ -15262,7 +15262,7 @@
           </p:sp>
           <p:sp>
             <p:nvSpPr>
-              <p:cNvPr id="97" name="6 Triángulo isósceles"/>
+              <p:cNvPr id="68" name="6 Triángulo isósceles"/>
               <p:cNvSpPr/>
               <p:nvPr/>
             </p:nvSpPr>
@@ -15422,7 +15422,7 @@
           </p:sp>
           <p:sp>
             <p:nvSpPr>
-              <p:cNvPr id="98" name="5 Triángulo isósceles"/>
+              <p:cNvPr id="69" name="5 Triángulo isósceles"/>
               <p:cNvSpPr/>
               <p:nvPr/>
             </p:nvSpPr>
@@ -15482,7 +15482,7 @@
           </p:sp>
           <p:sp>
             <p:nvSpPr>
-              <p:cNvPr id="99" name="73 Rectángulo redondeado"/>
+              <p:cNvPr id="70" name="73 Rectángulo redondeado"/>
               <p:cNvSpPr/>
               <p:nvPr/>
             </p:nvSpPr>
@@ -15521,7 +15521,7 @@
           </p:sp>
           <p:sp>
             <p:nvSpPr>
-              <p:cNvPr id="100" name="1 Rectángulo redondeado"/>
+              <p:cNvPr id="128" name="1 Rectángulo redondeado"/>
               <p:cNvSpPr/>
               <p:nvPr/>
             </p:nvSpPr>
@@ -15592,7 +15592,7 @@
           </p:sp>
           <p:sp>
             <p:nvSpPr>
-              <p:cNvPr id="101" name="44 Rectángulo redondeado"/>
+              <p:cNvPr id="129" name="44 Rectángulo redondeado"/>
               <p:cNvSpPr/>
               <p:nvPr/>
             </p:nvSpPr>
@@ -15648,7 +15648,7 @@
           </p:sp>
           <p:sp>
             <p:nvSpPr>
-              <p:cNvPr id="102" name="Forma libre 159"/>
+              <p:cNvPr id="130" name="Forma libre 159"/>
               <p:cNvSpPr/>
               <p:nvPr/>
             </p:nvSpPr>
@@ -15954,7 +15954,7 @@
                                           </p:stCondLst>
                                         </p:cTn>
                                         <p:tgtEl>
-                                          <p:spTgt spid="90"/>
+                                          <p:spTgt spid="78"/>
                                         </p:tgtEl>
                                         <p:attrNameLst>
                                           <p:attrName>style.visibility</p:attrName>
@@ -15966,9 +15966,9 @@
                                     </p:set>
                                     <p:animEffect transition="in" filter="fade">
                                       <p:cBhvr>
-                                        <p:cTn id="17" dur="750"/>
+                                        <p:cTn id="17" dur="500"/>
                                         <p:tgtEl>
-                                          <p:spTgt spid="90"/>
+                                          <p:spTgt spid="78"/>
                                         </p:tgtEl>
                                       </p:cBhvr>
                                     </p:animEffect>
@@ -15981,62 +15981,18 @@
                         <p:par>
                           <p:cTn id="18" fill="hold">
                             <p:stCondLst>
-                              <p:cond delay="2250"/>
+                              <p:cond delay="2000"/>
                             </p:stCondLst>
                             <p:childTnLst>
                               <p:par>
-                                <p:cTn id="19" presetID="10" presetClass="entr" presetSubtype="0" fill="hold" nodeType="afterEffect">
-                                  <p:stCondLst>
-                                    <p:cond delay="0"/>
-                                  </p:stCondLst>
-                                  <p:childTnLst>
-                                    <p:set>
-                                      <p:cBhvr>
-                                        <p:cTn id="20" dur="1" fill="hold">
-                                          <p:stCondLst>
-                                            <p:cond delay="0"/>
-                                          </p:stCondLst>
-                                        </p:cTn>
-                                        <p:tgtEl>
-                                          <p:spTgt spid="78"/>
-                                        </p:tgtEl>
-                                        <p:attrNameLst>
-                                          <p:attrName>style.visibility</p:attrName>
-                                        </p:attrNameLst>
-                                      </p:cBhvr>
-                                      <p:to>
-                                        <p:strVal val="visible"/>
-                                      </p:to>
-                                    </p:set>
-                                    <p:animEffect transition="in" filter="fade">
-                                      <p:cBhvr>
-                                        <p:cTn id="21" dur="500"/>
-                                        <p:tgtEl>
-                                          <p:spTgt spid="78"/>
-                                        </p:tgtEl>
-                                      </p:cBhvr>
-                                    </p:animEffect>
-                                  </p:childTnLst>
-                                </p:cTn>
-                              </p:par>
-                            </p:childTnLst>
-                          </p:cTn>
-                        </p:par>
-                        <p:par>
-                          <p:cTn id="22" fill="hold">
-                            <p:stCondLst>
-                              <p:cond delay="2750"/>
-                            </p:stCondLst>
-                            <p:childTnLst>
-                              <p:par>
-                                <p:cTn id="23" presetID="26" presetClass="emph" presetSubtype="0" repeatCount="2000" fill="hold" nodeType="afterEffect">
+                                <p:cTn id="19" presetID="26" presetClass="emph" presetSubtype="0" repeatCount="2000" fill="hold" nodeType="afterEffect">
                                   <p:stCondLst>
                                     <p:cond delay="0"/>
                                   </p:stCondLst>
                                   <p:childTnLst>
                                     <p:animEffect transition="out" filter="fade">
                                       <p:cBhvr>
-                                        <p:cTn id="24" dur="500" tmFilter="0, 0; .2, .5; .8, .5; 1, 0"/>
+                                        <p:cTn id="20" dur="500" tmFilter="0, 0; .2, .5; .8, .5; 1, 0"/>
                                         <p:tgtEl>
                                           <p:spTgt spid="78"/>
                                         </p:tgtEl>
@@ -16044,7 +16000,7 @@
                                     </p:animEffect>
                                     <p:animScale>
                                       <p:cBhvr>
-                                        <p:cTn id="25" dur="250" autoRev="1" fill="hold"/>
+                                        <p:cTn id="21" dur="250" autoRev="1" fill="hold"/>
                                         <p:tgtEl>
                                           <p:spTgt spid="78"/>
                                         </p:tgtEl>
@@ -16055,14 +16011,14 @@
                                 </p:cTn>
                               </p:par>
                               <p:par>
-                                <p:cTn id="26" presetID="10" presetClass="entr" presetSubtype="0" fill="hold" nodeType="withEffect">
+                                <p:cTn id="22" presetID="10" presetClass="entr" presetSubtype="0" fill="hold" nodeType="withEffect">
                                   <p:stCondLst>
                                     <p:cond delay="0"/>
                                   </p:stCondLst>
                                   <p:childTnLst>
                                     <p:set>
                                       <p:cBhvr>
-                                        <p:cTn id="27" dur="1" fill="hold">
+                                        <p:cTn id="23" dur="1" fill="hold">
                                           <p:stCondLst>
                                             <p:cond delay="0"/>
                                           </p:stCondLst>
@@ -16080,7 +16036,7 @@
                                     </p:set>
                                     <p:animEffect transition="in" filter="fade">
                                       <p:cBhvr>
-                                        <p:cTn id="28" dur="500"/>
+                                        <p:cTn id="24" dur="500"/>
                                         <p:tgtEl>
                                           <p:spTgt spid="84"/>
                                         </p:tgtEl>
@@ -16090,14 +16046,14 @@
                                 </p:cTn>
                               </p:par>
                               <p:par>
-                                <p:cTn id="29" presetID="26" presetClass="emph" presetSubtype="0" repeatCount="2000" fill="hold" nodeType="withEffect">
+                                <p:cTn id="25" presetID="26" presetClass="emph" presetSubtype="0" repeatCount="2000" fill="hold" nodeType="withEffect">
                                   <p:stCondLst>
                                     <p:cond delay="150"/>
                                   </p:stCondLst>
                                   <p:childTnLst>
                                     <p:animEffect transition="out" filter="fade">
                                       <p:cBhvr>
-                                        <p:cTn id="30" dur="500" tmFilter="0, 0; .2, .5; .8, .5; 1, 0"/>
+                                        <p:cTn id="26" dur="500" tmFilter="0, 0; .2, .5; .8, .5; 1, 0"/>
                                         <p:tgtEl>
                                           <p:spTgt spid="84"/>
                                         </p:tgtEl>
@@ -16105,7 +16061,7 @@
                                     </p:animEffect>
                                     <p:animScale>
                                       <p:cBhvr>
-                                        <p:cTn id="31" dur="250" autoRev="1" fill="hold"/>
+                                        <p:cTn id="27" dur="250" autoRev="1" fill="hold"/>
                                         <p:tgtEl>
                                           <p:spTgt spid="84"/>
                                         </p:tgtEl>
@@ -16116,14 +16072,14 @@
                                 </p:cTn>
                               </p:par>
                               <p:par>
-                                <p:cTn id="32" presetID="10" presetClass="entr" presetSubtype="0" fill="hold" nodeType="withEffect">
+                                <p:cTn id="28" presetID="10" presetClass="entr" presetSubtype="0" fill="hold" nodeType="withEffect">
                                   <p:stCondLst>
                                     <p:cond delay="150"/>
                                   </p:stCondLst>
                                   <p:childTnLst>
                                     <p:set>
                                       <p:cBhvr>
-                                        <p:cTn id="33" dur="1" fill="hold">
+                                        <p:cTn id="29" dur="1" fill="hold">
                                           <p:stCondLst>
                                             <p:cond delay="0"/>
                                           </p:stCondLst>
@@ -16141,7 +16097,7 @@
                                     </p:set>
                                     <p:animEffect transition="in" filter="fade">
                                       <p:cBhvr>
-                                        <p:cTn id="34" dur="500"/>
+                                        <p:cTn id="30" dur="500"/>
                                         <p:tgtEl>
                                           <p:spTgt spid="72"/>
                                         </p:tgtEl>
@@ -16151,14 +16107,14 @@
                                 </p:cTn>
                               </p:par>
                               <p:par>
-                                <p:cTn id="35" presetID="26" presetClass="emph" presetSubtype="0" repeatCount="2000" fill="hold" nodeType="withEffect">
+                                <p:cTn id="31" presetID="26" presetClass="emph" presetSubtype="0" repeatCount="2000" fill="hold" nodeType="withEffect">
                                   <p:stCondLst>
                                     <p:cond delay="300"/>
                                   </p:stCondLst>
                                   <p:childTnLst>
                                     <p:animEffect transition="out" filter="fade">
                                       <p:cBhvr>
-                                        <p:cTn id="36" dur="500" tmFilter="0, 0; .2, .5; .8, .5; 1, 0"/>
+                                        <p:cTn id="32" dur="500" tmFilter="0, 0; .2, .5; .8, .5; 1, 0"/>
                                         <p:tgtEl>
                                           <p:spTgt spid="72"/>
                                         </p:tgtEl>
@@ -16166,7 +16122,7 @@
                                     </p:animEffect>
                                     <p:animScale>
                                       <p:cBhvr>
-                                        <p:cTn id="37" dur="250" autoRev="1" fill="hold"/>
+                                        <p:cTn id="33" dur="250" autoRev="1" fill="hold"/>
                                         <p:tgtEl>
                                           <p:spTgt spid="72"/>
                                         </p:tgtEl>
@@ -16177,14 +16133,14 @@
                                 </p:cTn>
                               </p:par>
                               <p:par>
-                                <p:cTn id="38" presetID="10" presetClass="entr" presetSubtype="0" fill="hold" grpId="0" nodeType="withEffect">
+                                <p:cTn id="34" presetID="10" presetClass="entr" presetSubtype="0" fill="hold" grpId="0" nodeType="withEffect">
                                   <p:stCondLst>
                                     <p:cond delay="240"/>
                                   </p:stCondLst>
                                   <p:childTnLst>
                                     <p:set>
                                       <p:cBhvr>
-                                        <p:cTn id="39" dur="1" fill="hold">
+                                        <p:cTn id="35" dur="1" fill="hold">
                                           <p:stCondLst>
                                             <p:cond delay="0"/>
                                           </p:stCondLst>
@@ -16202,7 +16158,7 @@
                                     </p:set>
                                     <p:animEffect transition="in" filter="fade">
                                       <p:cBhvr>
-                                        <p:cTn id="40" dur="500"/>
+                                        <p:cTn id="36" dur="500"/>
                                         <p:tgtEl>
                                           <p:spTgt spid="71"/>
                                         </p:tgtEl>
@@ -16211,46 +16167,15 @@
                                   </p:childTnLst>
                                 </p:cTn>
                               </p:par>
-                            </p:childTnLst>
-                          </p:cTn>
-                        </p:par>
-                        <p:par>
-                          <p:cTn id="41" fill="hold">
-                            <p:stCondLst>
-                              <p:cond delay="4050"/>
-                            </p:stCondLst>
-                            <p:childTnLst>
                               <p:par>
-                                <p:cTn id="42" presetID="64" presetClass="path" presetSubtype="0" accel="50000" decel="50000" fill="hold" nodeType="afterEffect">
-                                  <p:stCondLst>
-                                    <p:cond delay="0"/>
-                                  </p:stCondLst>
-                                  <p:childTnLst>
-                                    <p:animMotion origin="layout" path="M 5.20833E-7 3.7037E-7 L 0.00124 -0.80521 " pathEditMode="relative" rAng="0" ptsTypes="AA">
-                                      <p:cBhvr>
-                                        <p:cTn id="43" dur="2000" fill="hold"/>
-                                        <p:tgtEl>
-                                          <p:spTgt spid="90"/>
-                                        </p:tgtEl>
-                                        <p:attrNameLst>
-                                          <p:attrName>ppt_x</p:attrName>
-                                          <p:attrName>ppt_y</p:attrName>
-                                        </p:attrNameLst>
-                                      </p:cBhvr>
-                                      <p:rCtr x="59" y="-40266"/>
-                                    </p:animMotion>
-                                  </p:childTnLst>
-                                </p:cTn>
-                              </p:par>
-                              <p:par>
-                                <p:cTn id="44" presetID="64" presetClass="path" presetSubtype="0" accel="50000" decel="50000" fill="hold" nodeType="withEffect">
+                                <p:cTn id="37" presetID="64" presetClass="path" presetSubtype="0" accel="50000" decel="50000" fill="hold" nodeType="withEffect">
                                   <p:stCondLst>
                                     <p:cond delay="0"/>
                                   </p:stCondLst>
                                   <p:childTnLst>
                                     <p:animMotion origin="layout" path="M 0.00058 -0.00011 L 0.00058 -0.74606 " pathEditMode="relative" rAng="0" ptsTypes="AA">
                                       <p:cBhvr>
-                                        <p:cTn id="45" dur="2000" fill="hold"/>
+                                        <p:cTn id="38" dur="2000" fill="hold"/>
                                         <p:tgtEl>
                                           <p:spTgt spid="78"/>
                                         </p:tgtEl>
@@ -16265,14 +16190,14 @@
                                 </p:cTn>
                               </p:par>
                               <p:par>
-                                <p:cTn id="46" presetID="64" presetClass="path" presetSubtype="0" accel="50000" decel="50000" fill="hold" nodeType="withEffect">
+                                <p:cTn id="39" presetID="64" presetClass="path" presetSubtype="0" accel="50000" decel="50000" fill="hold" nodeType="withEffect">
                                   <p:stCondLst>
                                     <p:cond delay="0"/>
                                   </p:stCondLst>
                                   <p:childTnLst>
                                     <p:animMotion origin="layout" path="M 4.58333E-6 -9.25926E-7 L -0.00124 -0.77025 " pathEditMode="relative" rAng="0" ptsTypes="AA">
                                       <p:cBhvr>
-                                        <p:cTn id="47" dur="2000" fill="hold"/>
+                                        <p:cTn id="40" dur="2000" fill="hold"/>
                                         <p:tgtEl>
                                           <p:spTgt spid="84"/>
                                         </p:tgtEl>
@@ -16287,14 +16212,14 @@
                                 </p:cTn>
                               </p:par>
                               <p:par>
-                                <p:cTn id="48" presetID="64" presetClass="path" presetSubtype="0" accel="50000" decel="50000" fill="hold" nodeType="withEffect">
+                                <p:cTn id="41" presetID="64" presetClass="path" presetSubtype="0" accel="50000" decel="50000" fill="hold" nodeType="withEffect">
                                   <p:stCondLst>
                                     <p:cond delay="0"/>
                                   </p:stCondLst>
                                   <p:childTnLst>
                                     <p:animMotion origin="layout" path="M -6.54967E-5 4.62624E-6 L -6.54967E-5 -0.74914 " pathEditMode="relative" rAng="0" ptsTypes="AA">
                                       <p:cBhvr>
-                                        <p:cTn id="49" dur="2000" fill="hold"/>
+                                        <p:cTn id="42" dur="2000" fill="hold"/>
                                         <p:tgtEl>
                                           <p:spTgt spid="72"/>
                                         </p:tgtEl>
@@ -16304,6 +16229,81 @@
                                         </p:attrNameLst>
                                       </p:cBhvr>
                                       <p:rCtr x="0" y="-37457"/>
+                                    </p:animMotion>
+                                  </p:childTnLst>
+                                </p:cTn>
+                              </p:par>
+                            </p:childTnLst>
+                          </p:cTn>
+                        </p:par>
+                        <p:par>
+                          <p:cTn id="43" fill="hold">
+                            <p:stCondLst>
+                              <p:cond delay="4000"/>
+                            </p:stCondLst>
+                            <p:childTnLst>
+                              <p:par>
+                                <p:cTn id="44" presetID="10" presetClass="entr" presetSubtype="0" fill="hold" nodeType="afterEffect">
+                                  <p:stCondLst>
+                                    <p:cond delay="0"/>
+                                  </p:stCondLst>
+                                  <p:childTnLst>
+                                    <p:set>
+                                      <p:cBhvr>
+                                        <p:cTn id="45" dur="1" fill="hold">
+                                          <p:stCondLst>
+                                            <p:cond delay="0"/>
+                                          </p:stCondLst>
+                                        </p:cTn>
+                                        <p:tgtEl>
+                                          <p:spTgt spid="61"/>
+                                        </p:tgtEl>
+                                        <p:attrNameLst>
+                                          <p:attrName>style.visibility</p:attrName>
+                                        </p:attrNameLst>
+                                      </p:cBhvr>
+                                      <p:to>
+                                        <p:strVal val="visible"/>
+                                      </p:to>
+                                    </p:set>
+                                    <p:animEffect transition="in" filter="fade">
+                                      <p:cBhvr>
+                                        <p:cTn id="46" dur="750"/>
+                                        <p:tgtEl>
+                                          <p:spTgt spid="61"/>
+                                        </p:tgtEl>
+                                      </p:cBhvr>
+                                    </p:animEffect>
+                                  </p:childTnLst>
+                                </p:cTn>
+                              </p:par>
+                            </p:childTnLst>
+                          </p:cTn>
+                        </p:par>
+                        <p:par>
+                          <p:cTn id="47" fill="hold">
+                            <p:stCondLst>
+                              <p:cond delay="4750"/>
+                            </p:stCondLst>
+                            <p:childTnLst>
+                              <p:par>
+                                <p:cTn id="48" presetID="64" presetClass="path" presetSubtype="0" accel="50000" decel="50000" fill="hold" nodeType="afterEffect">
+                                  <p:stCondLst>
+                                    <p:cond delay="0"/>
+                                  </p:stCondLst>
+                                  <p:childTnLst>
+                                    <p:animMotion origin="layout" path="M 5.20833E-7 3.7037E-7 L 0.00124 -0.80521 " pathEditMode="relative" rAng="0" ptsTypes="AA">
+                                      <p:cBhvr>
+                                        <p:cTn id="49" dur="2000" fill="hold"/>
+                                        <p:tgtEl>
+                                          <p:spTgt spid="61"/>
+                                        </p:tgtEl>
+                                        <p:attrNameLst>
+                                          <p:attrName>ppt_x</p:attrName>
+                                          <p:attrName>ppt_y</p:attrName>
+                                        </p:attrNameLst>
+                                      </p:cBhvr>
+                                      <p:rCtr x="59" y="-40266"/>
                                     </p:animMotion>
                                   </p:childTnLst>
                                 </p:cTn>
@@ -23135,7 +23135,6 @@
               <a:rPr lang="en-US" sz="3600" dirty="0" smtClean="0"/>
               <a:t> </a:t>
             </a:r>
-            <a:endParaRPr lang="en-US" sz="3600" dirty="0" smtClean="0"/>
           </a:p>
           <a:p>
             <a:pPr marL="571500" indent="-571500">
@@ -24793,14 +24792,7 @@
                 <a:ea typeface="Open Sans" panose="020B0606030504020204" pitchFamily="34" charset="0"/>
                 <a:cs typeface="Open Sans" panose="020B0606030504020204" pitchFamily="34" charset="0"/>
               </a:rPr>
-              <a:t>We </a:t>
-            </a:r>
-            <a:r>
-              <a:rPr lang="en-US" sz="4000" dirty="0" smtClean="0">
-                <a:ea typeface="Open Sans" panose="020B0606030504020204" pitchFamily="34" charset="0"/>
-                <a:cs typeface="Open Sans" panose="020B0606030504020204" pitchFamily="34" charset="0"/>
-              </a:rPr>
-              <a:t>will learn about:</a:t>
+              <a:t>We will learn about:</a:t>
             </a:r>
           </a:p>
           <a:p>
